--- a/Word/开发模板演示.pptx
+++ b/Word/开发模板演示.pptx
@@ -266,7 +266,7 @@
           <a:p>
             <a:fld id="{146EDF9E-D819-41E1-8FAB-1852F31C71EC}" type="datetimeFigureOut">
               <a:rPr lang="zh-CN" altLang="en-US" smtClean="0"/>
-              <a:t>2018/8/22</a:t>
+              <a:t>2018/8/23</a:t>
             </a:fld>
             <a:endParaRPr lang="zh-CN" altLang="en-US"/>
           </a:p>
@@ -464,7 +464,7 @@
           <a:p>
             <a:fld id="{146EDF9E-D819-41E1-8FAB-1852F31C71EC}" type="datetimeFigureOut">
               <a:rPr lang="zh-CN" altLang="en-US" smtClean="0"/>
-              <a:t>2018/8/22</a:t>
+              <a:t>2018/8/23</a:t>
             </a:fld>
             <a:endParaRPr lang="zh-CN" altLang="en-US"/>
           </a:p>
@@ -672,7 +672,7 @@
           <a:p>
             <a:fld id="{146EDF9E-D819-41E1-8FAB-1852F31C71EC}" type="datetimeFigureOut">
               <a:rPr lang="zh-CN" altLang="en-US" smtClean="0"/>
-              <a:t>2018/8/22</a:t>
+              <a:t>2018/8/23</a:t>
             </a:fld>
             <a:endParaRPr lang="zh-CN" altLang="en-US"/>
           </a:p>
@@ -870,7 +870,7 @@
           <a:p>
             <a:fld id="{146EDF9E-D819-41E1-8FAB-1852F31C71EC}" type="datetimeFigureOut">
               <a:rPr lang="zh-CN" altLang="en-US" smtClean="0"/>
-              <a:t>2018/8/22</a:t>
+              <a:t>2018/8/23</a:t>
             </a:fld>
             <a:endParaRPr lang="zh-CN" altLang="en-US"/>
           </a:p>
@@ -1145,7 +1145,7 @@
           <a:p>
             <a:fld id="{146EDF9E-D819-41E1-8FAB-1852F31C71EC}" type="datetimeFigureOut">
               <a:rPr lang="zh-CN" altLang="en-US" smtClean="0"/>
-              <a:t>2018/8/22</a:t>
+              <a:t>2018/8/23</a:t>
             </a:fld>
             <a:endParaRPr lang="zh-CN" altLang="en-US"/>
           </a:p>
@@ -1410,7 +1410,7 @@
           <a:p>
             <a:fld id="{146EDF9E-D819-41E1-8FAB-1852F31C71EC}" type="datetimeFigureOut">
               <a:rPr lang="zh-CN" altLang="en-US" smtClean="0"/>
-              <a:t>2018/8/22</a:t>
+              <a:t>2018/8/23</a:t>
             </a:fld>
             <a:endParaRPr lang="zh-CN" altLang="en-US"/>
           </a:p>
@@ -1822,7 +1822,7 @@
           <a:p>
             <a:fld id="{146EDF9E-D819-41E1-8FAB-1852F31C71EC}" type="datetimeFigureOut">
               <a:rPr lang="zh-CN" altLang="en-US" smtClean="0"/>
-              <a:t>2018/8/22</a:t>
+              <a:t>2018/8/23</a:t>
             </a:fld>
             <a:endParaRPr lang="zh-CN" altLang="en-US"/>
           </a:p>
@@ -1963,7 +1963,7 @@
           <a:p>
             <a:fld id="{146EDF9E-D819-41E1-8FAB-1852F31C71EC}" type="datetimeFigureOut">
               <a:rPr lang="zh-CN" altLang="en-US" smtClean="0"/>
-              <a:t>2018/8/22</a:t>
+              <a:t>2018/8/23</a:t>
             </a:fld>
             <a:endParaRPr lang="zh-CN" altLang="en-US"/>
           </a:p>
@@ -2076,7 +2076,7 @@
           <a:p>
             <a:fld id="{146EDF9E-D819-41E1-8FAB-1852F31C71EC}" type="datetimeFigureOut">
               <a:rPr lang="zh-CN" altLang="en-US" smtClean="0"/>
-              <a:t>2018/8/22</a:t>
+              <a:t>2018/8/23</a:t>
             </a:fld>
             <a:endParaRPr lang="zh-CN" altLang="en-US"/>
           </a:p>
@@ -2387,7 +2387,7 @@
           <a:p>
             <a:fld id="{146EDF9E-D819-41E1-8FAB-1852F31C71EC}" type="datetimeFigureOut">
               <a:rPr lang="zh-CN" altLang="en-US" smtClean="0"/>
-              <a:t>2018/8/22</a:t>
+              <a:t>2018/8/23</a:t>
             </a:fld>
             <a:endParaRPr lang="zh-CN" altLang="en-US"/>
           </a:p>
@@ -2675,7 +2675,7 @@
           <a:p>
             <a:fld id="{146EDF9E-D819-41E1-8FAB-1852F31C71EC}" type="datetimeFigureOut">
               <a:rPr lang="zh-CN" altLang="en-US" smtClean="0"/>
-              <a:t>2018/8/22</a:t>
+              <a:t>2018/8/23</a:t>
             </a:fld>
             <a:endParaRPr lang="zh-CN" altLang="en-US"/>
           </a:p>
@@ -2916,7 +2916,7 @@
           <a:p>
             <a:fld id="{146EDF9E-D819-41E1-8FAB-1852F31C71EC}" type="datetimeFigureOut">
               <a:rPr lang="zh-CN" altLang="en-US" smtClean="0"/>
-              <a:t>2018/8/22</a:t>
+              <a:t>2018/8/23</a:t>
             </a:fld>
             <a:endParaRPr lang="zh-CN" altLang="en-US"/>
           </a:p>
@@ -4549,10 +4549,10 @@
       </p:sp>
       <p:pic>
         <p:nvPicPr>
-          <p:cNvPr id="3" name="图片 2">
-            <a:extLst>
-              <a:ext uri="{FF2B5EF4-FFF2-40B4-BE49-F238E27FC236}">
-                <a16:creationId xmlns:a16="http://schemas.microsoft.com/office/drawing/2014/main" id="{4CB82B06-50BF-4228-9C6A-8B325ABD9A5C}"/>
+          <p:cNvPr id="2" name="图片 1">
+            <a:extLst>
+              <a:ext uri="{FF2B5EF4-FFF2-40B4-BE49-F238E27FC236}">
+                <a16:creationId xmlns:a16="http://schemas.microsoft.com/office/drawing/2014/main" id="{7456060E-5916-432E-9245-BD7FAE73E8F3}"/>
               </a:ext>
             </a:extLst>
           </p:cNvPr>
@@ -4569,8 +4569,8 @@
         </p:blipFill>
         <p:spPr>
           <a:xfrm>
-            <a:off x="3040737" y="1329781"/>
-            <a:ext cx="6110525" cy="5528219"/>
+            <a:off x="2502753" y="1345553"/>
+            <a:ext cx="7186494" cy="5512447"/>
           </a:xfrm>
           <a:prstGeom prst="rect">
             <a:avLst/>
@@ -4738,10 +4738,10 @@
       </p:sp>
       <p:pic>
         <p:nvPicPr>
-          <p:cNvPr id="3" name="图片 2">
-            <a:extLst>
-              <a:ext uri="{FF2B5EF4-FFF2-40B4-BE49-F238E27FC236}">
-                <a16:creationId xmlns:a16="http://schemas.microsoft.com/office/drawing/2014/main" id="{4A21AF25-2976-4304-AA82-C16221123E1A}"/>
+          <p:cNvPr id="2" name="图片 1">
+            <a:extLst>
+              <a:ext uri="{FF2B5EF4-FFF2-40B4-BE49-F238E27FC236}">
+                <a16:creationId xmlns:a16="http://schemas.microsoft.com/office/drawing/2014/main" id="{C52B8F47-AC42-4487-8B28-95223C8504A7}"/>
               </a:ext>
             </a:extLst>
           </p:cNvPr>
@@ -4758,8 +4758,8 @@
         </p:blipFill>
         <p:spPr>
           <a:xfrm>
-            <a:off x="987634" y="1240182"/>
-            <a:ext cx="10216731" cy="5491752"/>
+            <a:off x="764299" y="1382681"/>
+            <a:ext cx="10663402" cy="5192931"/>
           </a:xfrm>
           <a:prstGeom prst="rect">
             <a:avLst/>
